--- a/trunk/docs/seguiment/Seguiment.pptx
+++ b/trunk/docs/seguiment/Seguiment.pptx
@@ -21,7 +21,7 @@
     <p:sldId id="277" r:id="rId9"/>
   </p:sldIdLst>
   <p:sldSz cx="9144000" cy="6858000" type="screen4x3"/>
-  <p:notesSz cx="6858000" cy="9144000"/>
+  <p:notesSz cx="7099300" cy="10234613"/>
   <p:defaultTextStyle>
     <a:defPPr>
       <a:defRPr lang="en-US"/>
@@ -148,6 +148,55 @@
               <a:noFill/>
             </a:ln>
           </c:spPr>
+          <c:marker>
+            <c:symbol val="circle"/>
+            <c:size val="7"/>
+          </c:marker>
+          <c:dPt>
+            <c:idx val="1"/>
+            <c:marker>
+              <c:spPr>
+                <a:solidFill>
+                  <a:srgbClr val="FF0000"/>
+                </a:solidFill>
+                <a:ln>
+                  <a:solidFill>
+                    <a:srgbClr val="C00000"/>
+                  </a:solidFill>
+                </a:ln>
+              </c:spPr>
+            </c:marker>
+          </c:dPt>
+          <c:dPt>
+            <c:idx val="2"/>
+            <c:marker>
+              <c:spPr>
+                <a:solidFill>
+                  <a:srgbClr val="FF0000"/>
+                </a:solidFill>
+                <a:ln>
+                  <a:solidFill>
+                    <a:srgbClr val="C00000"/>
+                  </a:solidFill>
+                </a:ln>
+              </c:spPr>
+            </c:marker>
+          </c:dPt>
+          <c:dPt>
+            <c:idx val="4"/>
+            <c:marker>
+              <c:spPr>
+                <a:solidFill>
+                  <a:srgbClr val="FFFF00"/>
+                </a:solidFill>
+                <a:ln>
+                  <a:solidFill>
+                    <a:srgbClr val="FAD600"/>
+                  </a:solidFill>
+                </a:ln>
+              </c:spPr>
+            </c:marker>
+          </c:dPt>
           <c:dLbls>
             <c:dLbl>
               <c:idx val="0"/>
@@ -264,13 +313,13 @@
                 <c:formatCode>General</c:formatCode>
                 <c:ptCount val="6"/>
                 <c:pt idx="0">
-                  <c:v>0.60000000000000042</c:v>
+                  <c:v>0.60000000000000064</c:v>
                 </c:pt>
                 <c:pt idx="1">
-                  <c:v>0.30000000000000021</c:v>
+                  <c:v>0.30000000000000032</c:v>
                 </c:pt>
                 <c:pt idx="2">
-                  <c:v>0.30000000000000021</c:v>
+                  <c:v>0.30000000000000032</c:v>
                 </c:pt>
                 <c:pt idx="3">
                   <c:v>0.2</c:v>
@@ -300,23 +349,23 @@
                   <c:v>0.5</c:v>
                 </c:pt>
                 <c:pt idx="3">
-                  <c:v>0.60000000000000042</c:v>
+                  <c:v>0.60000000000000064</c:v>
                 </c:pt>
                 <c:pt idx="4">
                   <c:v>0.2</c:v>
                 </c:pt>
                 <c:pt idx="5">
-                  <c:v>0.30000000000000021</c:v>
+                  <c:v>0.30000000000000032</c:v>
                 </c:pt>
               </c:numCache>
             </c:numRef>
           </c:yVal>
         </c:ser>
-        <c:axId val="62744832"/>
-        <c:axId val="62763392"/>
+        <c:axId val="74978816"/>
+        <c:axId val="74980736"/>
       </c:scatterChart>
       <c:valAx>
-        <c:axId val="62744832"/>
+        <c:axId val="74978816"/>
         <c:scaling>
           <c:orientation val="minMax"/>
         </c:scaling>
@@ -353,12 +402,12 @@
             <a:endParaRPr lang="es-ES"/>
           </a:p>
         </c:txPr>
-        <c:crossAx val="62763392"/>
+        <c:crossAx val="74980736"/>
         <c:crosses val="autoZero"/>
         <c:crossBetween val="midCat"/>
       </c:valAx>
       <c:valAx>
-        <c:axId val="62763392"/>
+        <c:axId val="74980736"/>
         <c:scaling>
           <c:orientation val="minMax"/>
         </c:scaling>
@@ -395,7 +444,7 @@
             <a:endParaRPr lang="es-ES"/>
           </a:p>
         </c:txPr>
-        <c:crossAx val="62744832"/>
+        <c:crossAx val="74978816"/>
         <c:crosses val="autoZero"/>
         <c:crossBetween val="midCat"/>
       </c:valAx>
@@ -1221,7 +1270,7 @@
           <a:pPr rtl="0"/>
           <a:r>
             <a:rPr lang="pt-BR" strike="noStrike" dirty="0" smtClean="0"/>
-            <a:t>No trobem cap manera de cercar arxius amb DHT</a:t>
+            <a:t>1. Cerca d’arxius amb DHT</a:t>
           </a:r>
           <a:endParaRPr lang="es-ES" strike="noStrike" dirty="0"/>
         </a:p>
@@ -1259,7 +1308,7 @@
           <a:pPr rtl="0"/>
           <a:r>
             <a:rPr lang="pt-BR" strike="noStrike" dirty="0" smtClean="0"/>
-            <a:t>No aconseguim fer funcionar els threads de Java</a:t>
+            <a:t>2. No aconseguim fer funcionar els threads de Java</a:t>
           </a:r>
           <a:endParaRPr lang="es-ES" strike="noStrike" dirty="0"/>
         </a:p>
@@ -1296,16 +1345,12 @@
         <a:p>
           <a:pPr rtl="0"/>
           <a:r>
-            <a:rPr lang="es-ES" dirty="0" err="1" smtClean="0"/>
-            <a:t>Problemes</a:t>
-          </a:r>
-          <a:r>
             <a:rPr lang="es-ES" dirty="0" smtClean="0"/>
-            <a:t> al transferir </a:t>
+            <a:t>3. </a:t>
           </a:r>
           <a:r>
             <a:rPr lang="es-ES" dirty="0" err="1" smtClean="0"/>
-            <a:t>cançons</a:t>
+            <a:t>Problemes</a:t>
           </a:r>
           <a:r>
             <a:rPr lang="es-ES" dirty="0" smtClean="0"/>
@@ -1354,36 +1399,16 @@
         <a:p>
           <a:pPr rtl="0"/>
           <a:r>
-            <a:rPr lang="es-ES" strike="noStrike" dirty="0" err="1" smtClean="0"/>
-            <a:t>Problemes</a:t>
+            <a:rPr lang="es-ES" strike="noStrike" dirty="0" smtClean="0"/>
+            <a:t>4</a:t>
+          </a:r>
+          <a:r>
+            <a:rPr lang="es-ES" strike="noStrike" smtClean="0"/>
+            <a:t>. Llicència d'utilització </a:t>
           </a:r>
           <a:r>
             <a:rPr lang="es-ES" strike="noStrike" dirty="0" smtClean="0"/>
-            <a:t> </a:t>
-          </a:r>
-          <a:r>
-            <a:rPr lang="es-ES" strike="noStrike" dirty="0" err="1" smtClean="0"/>
-            <a:t>amb</a:t>
-          </a:r>
-          <a:r>
-            <a:rPr lang="es-ES" strike="noStrike" dirty="0" smtClean="0"/>
-            <a:t> les </a:t>
-          </a:r>
-          <a:r>
-            <a:rPr lang="es-ES" strike="noStrike" dirty="0" err="1" smtClean="0"/>
-            <a:t>llicencies</a:t>
-          </a:r>
-          <a:r>
-            <a:rPr lang="es-ES" strike="noStrike" dirty="0" smtClean="0"/>
-            <a:t> </a:t>
-          </a:r>
-          <a:r>
-            <a:rPr lang="es-ES" strike="noStrike" dirty="0" err="1" smtClean="0"/>
-            <a:t>d'utilització</a:t>
-          </a:r>
-          <a:r>
-            <a:rPr lang="es-ES" strike="noStrike" dirty="0" smtClean="0"/>
-            <a:t> de </a:t>
+            <a:t>de </a:t>
           </a:r>
           <a:r>
             <a:rPr lang="es-ES" strike="noStrike" dirty="0" err="1" smtClean="0"/>
@@ -1437,7 +1462,7 @@
           <a:pPr rtl="0"/>
           <a:r>
             <a:rPr lang="fr-FR" dirty="0" smtClean="0"/>
-            <a:t>No </a:t>
+            <a:t>5. No </a:t>
           </a:r>
           <a:r>
             <a:rPr lang="fr-FR" dirty="0" err="1" smtClean="0"/>
@@ -1502,12 +1527,12 @@
         <a:p>
           <a:pPr rtl="0"/>
           <a:r>
-            <a:rPr lang="es-ES" dirty="0" err="1" smtClean="0"/>
-            <a:t>Transformació</a:t>
+            <a:rPr lang="es-ES" smtClean="0"/>
+            <a:t>6. Transformació </a:t>
           </a:r>
           <a:r>
             <a:rPr lang="es-ES" dirty="0" smtClean="0"/>
-            <a:t> de les </a:t>
+            <a:t>de les </a:t>
           </a:r>
           <a:r>
             <a:rPr lang="es-ES" dirty="0" err="1" smtClean="0"/>
@@ -1727,8 +1752,8 @@
       </dsp:nvSpPr>
       <dsp:spPr>
         <a:xfrm>
-          <a:off x="0" y="79733"/>
-          <a:ext cx="4143404" cy="716040"/>
+          <a:off x="0" y="82695"/>
+          <a:ext cx="4143404" cy="715052"/>
         </a:xfrm>
         <a:prstGeom prst="roundRect">
           <a:avLst/>
@@ -1812,14 +1837,14 @@
           </a:pPr>
           <a:r>
             <a:rPr lang="pt-BR" sz="1800" strike="noStrike" kern="1200" dirty="0" smtClean="0"/>
-            <a:t>No trobem cap manera de cercar arxius amb DHT</a:t>
+            <a:t>1. Cerca d’arxius amb DHT</a:t>
           </a:r>
           <a:endParaRPr lang="es-ES" sz="1800" strike="noStrike" kern="1200" dirty="0"/>
         </a:p>
       </dsp:txBody>
       <dsp:txXfrm>
-        <a:off x="0" y="79733"/>
-        <a:ext cx="4143404" cy="716040"/>
+        <a:off x="0" y="82695"/>
+        <a:ext cx="4143404" cy="715052"/>
       </dsp:txXfrm>
     </dsp:sp>
     <dsp:sp modelId="{24E20627-32F6-4B89-8614-0E2D45A677C9}">
@@ -1829,8 +1854,8 @@
       </dsp:nvSpPr>
       <dsp:spPr>
         <a:xfrm>
-          <a:off x="0" y="847614"/>
-          <a:ext cx="4143404" cy="716040"/>
+          <a:off x="0" y="849588"/>
+          <a:ext cx="4143404" cy="715052"/>
         </a:xfrm>
         <a:prstGeom prst="roundRect">
           <a:avLst/>
@@ -1914,14 +1939,14 @@
           </a:pPr>
           <a:r>
             <a:rPr lang="pt-BR" sz="1800" strike="noStrike" kern="1200" dirty="0" smtClean="0"/>
-            <a:t>No aconseguim fer funcionar els threads de Java</a:t>
+            <a:t>2. No aconseguim fer funcionar els threads de Java</a:t>
           </a:r>
           <a:endParaRPr lang="es-ES" sz="1800" strike="noStrike" kern="1200" dirty="0"/>
         </a:p>
       </dsp:txBody>
       <dsp:txXfrm>
-        <a:off x="0" y="847614"/>
-        <a:ext cx="4143404" cy="716040"/>
+        <a:off x="0" y="849588"/>
+        <a:ext cx="4143404" cy="715052"/>
       </dsp:txXfrm>
     </dsp:sp>
     <dsp:sp modelId="{850B067D-2736-4F24-9145-3D01F136B809}">
@@ -1931,8 +1956,8 @@
       </dsp:nvSpPr>
       <dsp:spPr>
         <a:xfrm>
-          <a:off x="0" y="1615493"/>
-          <a:ext cx="4143404" cy="716040"/>
+          <a:off x="0" y="1616481"/>
+          <a:ext cx="4143404" cy="715052"/>
         </a:xfrm>
         <a:prstGeom prst="roundRect">
           <a:avLst/>
@@ -2015,16 +2040,12 @@
             </a:spcAft>
           </a:pPr>
           <a:r>
-            <a:rPr lang="es-ES" sz="1800" kern="1200" dirty="0" err="1" smtClean="0"/>
-            <a:t>Problemes</a:t>
-          </a:r>
-          <a:r>
             <a:rPr lang="es-ES" sz="1800" kern="1200" dirty="0" smtClean="0"/>
-            <a:t> al transferir </a:t>
+            <a:t>3. </a:t>
           </a:r>
           <a:r>
             <a:rPr lang="es-ES" sz="1800" kern="1200" dirty="0" err="1" smtClean="0"/>
-            <a:t>cançons</a:t>
+            <a:t>Problemes</a:t>
           </a:r>
           <a:r>
             <a:rPr lang="es-ES" sz="1800" kern="1200" dirty="0" smtClean="0"/>
@@ -2042,8 +2063,8 @@
         </a:p>
       </dsp:txBody>
       <dsp:txXfrm>
-        <a:off x="0" y="1615493"/>
-        <a:ext cx="4143404" cy="716040"/>
+        <a:off x="0" y="1616481"/>
+        <a:ext cx="4143404" cy="715052"/>
       </dsp:txXfrm>
     </dsp:sp>
     <dsp:sp modelId="{859F9A96-6C05-400A-861C-7C8CE1F79EE5}">
@@ -2054,7 +2075,7 @@
       <dsp:spPr>
         <a:xfrm>
           <a:off x="0" y="2383373"/>
-          <a:ext cx="4143404" cy="716040"/>
+          <a:ext cx="4143404" cy="715052"/>
         </a:xfrm>
         <a:prstGeom prst="roundRect">
           <a:avLst/>
@@ -2137,36 +2158,16 @@
             </a:spcAft>
           </a:pPr>
           <a:r>
-            <a:rPr lang="es-ES" sz="1800" strike="noStrike" kern="1200" dirty="0" err="1" smtClean="0"/>
-            <a:t>Problemes</a:t>
+            <a:rPr lang="es-ES" sz="1800" strike="noStrike" kern="1200" dirty="0" smtClean="0"/>
+            <a:t>4</a:t>
+          </a:r>
+          <a:r>
+            <a:rPr lang="es-ES" sz="1800" strike="noStrike" kern="1200" smtClean="0"/>
+            <a:t>. Llicència d'utilització </a:t>
           </a:r>
           <a:r>
             <a:rPr lang="es-ES" sz="1800" strike="noStrike" kern="1200" dirty="0" smtClean="0"/>
-            <a:t> </a:t>
-          </a:r>
-          <a:r>
-            <a:rPr lang="es-ES" sz="1800" strike="noStrike" kern="1200" dirty="0" err="1" smtClean="0"/>
-            <a:t>amb</a:t>
-          </a:r>
-          <a:r>
-            <a:rPr lang="es-ES" sz="1800" strike="noStrike" kern="1200" dirty="0" smtClean="0"/>
-            <a:t> les </a:t>
-          </a:r>
-          <a:r>
-            <a:rPr lang="es-ES" sz="1800" strike="noStrike" kern="1200" dirty="0" err="1" smtClean="0"/>
-            <a:t>llicencies</a:t>
-          </a:r>
-          <a:r>
-            <a:rPr lang="es-ES" sz="1800" strike="noStrike" kern="1200" dirty="0" smtClean="0"/>
-            <a:t> </a:t>
-          </a:r>
-          <a:r>
-            <a:rPr lang="es-ES" sz="1800" strike="noStrike" kern="1200" dirty="0" err="1" smtClean="0"/>
-            <a:t>d'utilització</a:t>
-          </a:r>
-          <a:r>
-            <a:rPr lang="es-ES" sz="1800" strike="noStrike" kern="1200" dirty="0" smtClean="0"/>
-            <a:t> de </a:t>
+            <a:t>de </a:t>
           </a:r>
           <a:r>
             <a:rPr lang="es-ES" sz="1800" strike="noStrike" kern="1200" dirty="0" err="1" smtClean="0"/>
@@ -2189,7 +2190,7 @@
       </dsp:txBody>
       <dsp:txXfrm>
         <a:off x="0" y="2383373"/>
-        <a:ext cx="4143404" cy="716040"/>
+        <a:ext cx="4143404" cy="715052"/>
       </dsp:txXfrm>
     </dsp:sp>
     <dsp:sp modelId="{54A6B5A7-CEB2-4F0A-B450-7F0814DDD5A8}">
@@ -2199,8 +2200,8 @@
       </dsp:nvSpPr>
       <dsp:spPr>
         <a:xfrm>
-          <a:off x="0" y="3151253"/>
-          <a:ext cx="4143404" cy="716040"/>
+          <a:off x="0" y="3150266"/>
+          <a:ext cx="4143404" cy="715052"/>
         </a:xfrm>
         <a:prstGeom prst="roundRect">
           <a:avLst/>
@@ -2284,7 +2285,7 @@
           </a:pPr>
           <a:r>
             <a:rPr lang="fr-FR" sz="1800" kern="1200" dirty="0" smtClean="0"/>
-            <a:t>No </a:t>
+            <a:t>5. No </a:t>
           </a:r>
           <a:r>
             <a:rPr lang="fr-FR" sz="1800" kern="1200" dirty="0" err="1" smtClean="0"/>
@@ -2318,8 +2319,8 @@
         </a:p>
       </dsp:txBody>
       <dsp:txXfrm>
-        <a:off x="0" y="3151253"/>
-        <a:ext cx="4143404" cy="716040"/>
+        <a:off x="0" y="3150266"/>
+        <a:ext cx="4143404" cy="715052"/>
       </dsp:txXfrm>
     </dsp:sp>
     <dsp:sp modelId="{89690020-72AC-41FD-8AEC-648E829CCBAB}">
@@ -2329,8 +2330,8 @@
       </dsp:nvSpPr>
       <dsp:spPr>
         <a:xfrm>
-          <a:off x="0" y="3919133"/>
-          <a:ext cx="4143404" cy="716040"/>
+          <a:off x="0" y="3917159"/>
+          <a:ext cx="4143404" cy="715052"/>
         </a:xfrm>
         <a:prstGeom prst="roundRect">
           <a:avLst/>
@@ -2413,12 +2414,12 @@
             </a:spcAft>
           </a:pPr>
           <a:r>
-            <a:rPr lang="es-ES" sz="1800" kern="1200" dirty="0" err="1" smtClean="0"/>
-            <a:t>Transformació</a:t>
+            <a:rPr lang="es-ES" sz="1800" kern="1200" smtClean="0"/>
+            <a:t>6. Transformació </a:t>
           </a:r>
           <a:r>
             <a:rPr lang="es-ES" sz="1800" kern="1200" dirty="0" smtClean="0"/>
-            <a:t> de les </a:t>
+            <a:t>de les </a:t>
           </a:r>
           <a:r>
             <a:rPr lang="es-ES" sz="1800" kern="1200" dirty="0" err="1" smtClean="0"/>
@@ -2432,8 +2433,8 @@
         </a:p>
       </dsp:txBody>
       <dsp:txXfrm>
-        <a:off x="0" y="3919133"/>
-        <a:ext cx="4143404" cy="716040"/>
+        <a:off x="0" y="3917159"/>
+        <a:ext cx="4143404" cy="715052"/>
       </dsp:txXfrm>
     </dsp:sp>
   </dsp:spTree>
@@ -3676,17 +3677,17 @@
         <p:spPr>
           <a:xfrm>
             <a:off x="0" y="0"/>
-            <a:ext cx="2971800" cy="457200"/>
+            <a:ext cx="3076363" cy="511731"/>
           </a:xfrm>
           <a:prstGeom prst="rect">
             <a:avLst/>
           </a:prstGeom>
         </p:spPr>
         <p:txBody>
-          <a:bodyPr vert="horz" lIns="91440" tIns="45720" rIns="91440" bIns="45720" rtlCol="0"/>
+          <a:bodyPr vert="horz" lIns="99048" tIns="49524" rIns="99048" bIns="49524" rtlCol="0"/>
           <a:lstStyle>
             <a:lvl1pPr algn="l">
-              <a:defRPr sz="1200"/>
+              <a:defRPr sz="1300"/>
             </a:lvl1pPr>
           </a:lstStyle>
           <a:p>
@@ -3706,18 +3707,18 @@
         </p:nvSpPr>
         <p:spPr>
           <a:xfrm>
-            <a:off x="3884613" y="0"/>
-            <a:ext cx="2971800" cy="457200"/>
+            <a:off x="4021294" y="0"/>
+            <a:ext cx="3076363" cy="511731"/>
           </a:xfrm>
           <a:prstGeom prst="rect">
             <a:avLst/>
           </a:prstGeom>
         </p:spPr>
         <p:txBody>
-          <a:bodyPr vert="horz" lIns="91440" tIns="45720" rIns="91440" bIns="45720" rtlCol="0"/>
+          <a:bodyPr vert="horz" lIns="99048" tIns="49524" rIns="99048" bIns="49524" rtlCol="0"/>
           <a:lstStyle>
             <a:lvl1pPr algn="r">
-              <a:defRPr sz="1200"/>
+              <a:defRPr sz="1300"/>
             </a:lvl1pPr>
           </a:lstStyle>
           <a:p>
@@ -3742,18 +3743,18 @@
         </p:nvSpPr>
         <p:spPr>
           <a:xfrm>
-            <a:off x="0" y="8685213"/>
-            <a:ext cx="2971800" cy="457200"/>
+            <a:off x="0" y="9721106"/>
+            <a:ext cx="3076363" cy="511731"/>
           </a:xfrm>
           <a:prstGeom prst="rect">
             <a:avLst/>
           </a:prstGeom>
         </p:spPr>
         <p:txBody>
-          <a:bodyPr vert="horz" lIns="91440" tIns="45720" rIns="91440" bIns="45720" rtlCol="0" anchor="b"/>
+          <a:bodyPr vert="horz" lIns="99048" tIns="49524" rIns="99048" bIns="49524" rtlCol="0" anchor="b"/>
           <a:lstStyle>
             <a:lvl1pPr algn="l">
-              <a:defRPr sz="1200"/>
+              <a:defRPr sz="1300"/>
             </a:lvl1pPr>
           </a:lstStyle>
           <a:p>
@@ -3773,18 +3774,18 @@
         </p:nvSpPr>
         <p:spPr>
           <a:xfrm>
-            <a:off x="3884613" y="8685213"/>
-            <a:ext cx="2971800" cy="457200"/>
+            <a:off x="4021294" y="9721106"/>
+            <a:ext cx="3076363" cy="511731"/>
           </a:xfrm>
           <a:prstGeom prst="rect">
             <a:avLst/>
           </a:prstGeom>
         </p:spPr>
         <p:txBody>
-          <a:bodyPr vert="horz" lIns="91440" tIns="45720" rIns="91440" bIns="45720" rtlCol="0" anchor="b"/>
+          <a:bodyPr vert="horz" lIns="99048" tIns="49524" rIns="99048" bIns="49524" rtlCol="0" anchor="b"/>
           <a:lstStyle>
             <a:lvl1pPr algn="r">
-              <a:defRPr sz="1200"/>
+              <a:defRPr sz="1300"/>
             </a:lvl1pPr>
           </a:lstStyle>
           <a:p>
@@ -3838,17 +3839,17 @@
         <p:spPr>
           <a:xfrm>
             <a:off x="0" y="0"/>
-            <a:ext cx="2971800" cy="457200"/>
+            <a:ext cx="3076363" cy="511731"/>
           </a:xfrm>
           <a:prstGeom prst="rect">
             <a:avLst/>
           </a:prstGeom>
         </p:spPr>
         <p:txBody>
-          <a:bodyPr vert="horz" lIns="91440" tIns="45720" rIns="91440" bIns="45720" rtlCol="0"/>
+          <a:bodyPr vert="horz" lIns="99048" tIns="49524" rIns="99048" bIns="49524" rtlCol="0"/>
           <a:lstStyle>
             <a:lvl1pPr algn="l" latinLnBrk="0">
-              <a:defRPr lang="es-ES" sz="1200"/>
+              <a:defRPr lang="es-ES" sz="1300"/>
             </a:lvl1pPr>
           </a:lstStyle>
           <a:p>
@@ -3868,18 +3869,18 @@
         </p:nvSpPr>
         <p:spPr>
           <a:xfrm>
-            <a:off x="3884613" y="0"/>
-            <a:ext cx="2971800" cy="457200"/>
+            <a:off x="4021294" y="0"/>
+            <a:ext cx="3076363" cy="511731"/>
           </a:xfrm>
           <a:prstGeom prst="rect">
             <a:avLst/>
           </a:prstGeom>
         </p:spPr>
         <p:txBody>
-          <a:bodyPr vert="horz" lIns="91440" tIns="45720" rIns="91440" bIns="45720" rtlCol="0"/>
+          <a:bodyPr vert="horz" lIns="99048" tIns="49524" rIns="99048" bIns="49524" rtlCol="0"/>
           <a:lstStyle>
             <a:lvl1pPr algn="r" latinLnBrk="0">
-              <a:defRPr lang="es-ES" sz="1200"/>
+              <a:defRPr lang="es-ES" sz="1300"/>
             </a:lvl1pPr>
           </a:lstStyle>
           <a:p>
@@ -3904,8 +3905,8 @@
         </p:nvSpPr>
         <p:spPr>
           <a:xfrm>
-            <a:off x="1143000" y="685800"/>
-            <a:ext cx="4572000" cy="3429000"/>
+            <a:off x="992188" y="768350"/>
+            <a:ext cx="5114925" cy="3836988"/>
           </a:xfrm>
           <a:prstGeom prst="rect">
             <a:avLst/>
@@ -3918,7 +3919,7 @@
           </a:ln>
         </p:spPr>
         <p:txBody>
-          <a:bodyPr vert="horz" lIns="91440" tIns="45720" rIns="91440" bIns="45720" rtlCol="0" anchor="ctr"/>
+          <a:bodyPr vert="horz" lIns="99048" tIns="49524" rIns="99048" bIns="49524" rtlCol="0" anchor="ctr"/>
           <a:lstStyle/>
           <a:p>
             <a:endParaRPr lang="es-ES"/>
@@ -3937,15 +3938,15 @@
         </p:nvSpPr>
         <p:spPr>
           <a:xfrm>
-            <a:off x="685800" y="4343400"/>
-            <a:ext cx="5486400" cy="4114800"/>
+            <a:off x="709930" y="4861441"/>
+            <a:ext cx="5679440" cy="4605576"/>
           </a:xfrm>
           <a:prstGeom prst="rect">
             <a:avLst/>
           </a:prstGeom>
         </p:spPr>
         <p:txBody>
-          <a:bodyPr vert="horz" lIns="91440" tIns="45720" rIns="91440" bIns="45720" rtlCol="0">
+          <a:bodyPr vert="horz" lIns="99048" tIns="49524" rIns="99048" bIns="49524" rtlCol="0">
             <a:normAutofit/>
           </a:bodyPr>
           <a:lstStyle/>
@@ -3998,18 +3999,18 @@
         </p:nvSpPr>
         <p:spPr>
           <a:xfrm>
-            <a:off x="0" y="8685213"/>
-            <a:ext cx="2971800" cy="457200"/>
+            <a:off x="0" y="9721106"/>
+            <a:ext cx="3076363" cy="511731"/>
           </a:xfrm>
           <a:prstGeom prst="rect">
             <a:avLst/>
           </a:prstGeom>
         </p:spPr>
         <p:txBody>
-          <a:bodyPr vert="horz" lIns="91440" tIns="45720" rIns="91440" bIns="45720" rtlCol="0" anchor="b"/>
+          <a:bodyPr vert="horz" lIns="99048" tIns="49524" rIns="99048" bIns="49524" rtlCol="0" anchor="b"/>
           <a:lstStyle>
             <a:lvl1pPr algn="l" latinLnBrk="0">
-              <a:defRPr lang="es-ES" sz="1200"/>
+              <a:defRPr lang="es-ES" sz="1300"/>
             </a:lvl1pPr>
           </a:lstStyle>
           <a:p>
@@ -4029,18 +4030,18 @@
         </p:nvSpPr>
         <p:spPr>
           <a:xfrm>
-            <a:off x="3884613" y="8685213"/>
-            <a:ext cx="2971800" cy="457200"/>
+            <a:off x="4021294" y="9721106"/>
+            <a:ext cx="3076363" cy="511731"/>
           </a:xfrm>
           <a:prstGeom prst="rect">
             <a:avLst/>
           </a:prstGeom>
         </p:spPr>
         <p:txBody>
-          <a:bodyPr vert="horz" lIns="91440" tIns="45720" rIns="91440" bIns="45720" rtlCol="0" anchor="b"/>
+          <a:bodyPr vert="horz" lIns="99048" tIns="49524" rIns="99048" bIns="49524" rtlCol="0" anchor="b"/>
           <a:lstStyle>
             <a:lvl1pPr algn="r" latinLnBrk="0">
-              <a:defRPr lang="es-ES" sz="1200"/>
+              <a:defRPr lang="es-ES" sz="1300"/>
             </a:lvl1pPr>
           </a:lstStyle>
           <a:p>
@@ -9023,11 +9024,7 @@
             </a:r>
             <a:r>
               <a:rPr lang="es-ES" dirty="0" smtClean="0"/>
-              <a:t> </a:t>
-            </a:r>
-            <a:r>
-              <a:rPr lang="es-ES" dirty="0" smtClean="0"/>
-              <a:t>= Speaker + Peer</a:t>
+              <a:t> = Speaker + Peer</a:t>
             </a:r>
           </a:p>
           <a:p>
@@ -9085,11 +9082,7 @@
             </a:r>
             <a:r>
               <a:rPr lang="es-ES" dirty="0" smtClean="0"/>
-              <a:t> </a:t>
-            </a:r>
-            <a:r>
-              <a:rPr lang="es-ES" dirty="0" smtClean="0"/>
-              <a:t>per </a:t>
+              <a:t> per </a:t>
             </a:r>
             <a:r>
               <a:rPr lang="es-ES" dirty="0" err="1" smtClean="0"/>
@@ -9175,15 +9168,15 @@
         </p:nvPicPr>
         <p:blipFill>
           <a:blip r:embed="rId3" cstate="print"/>
-          <a:srcRect l="-1844" t="-2589" r="-1844" b="-2589"/>
+          <a:srcRect l="-1535" t="-2315" r="-1535" b="-2315"/>
           <a:stretch>
             <a:fillRect/>
           </a:stretch>
         </p:blipFill>
         <p:spPr bwMode="auto">
           <a:xfrm>
-            <a:off x="1546467" y="1214422"/>
-            <a:ext cx="6097103" cy="4404679"/>
+            <a:off x="1452888" y="1301983"/>
+            <a:ext cx="6284273" cy="4229554"/>
           </a:xfrm>
           <a:prstGeom prst="roundRect">
             <a:avLst>
@@ -9262,6 +9255,52 @@
       </p:grpSpPr>
       <p:sp>
         <p:nvSpPr>
+          <p:cNvPr id="11" name="10 Rectángulo"/>
+          <p:cNvSpPr/>
+          <p:nvPr/>
+        </p:nvSpPr>
+        <p:spPr>
+          <a:xfrm>
+            <a:off x="466726" y="1571633"/>
+            <a:ext cx="8210549" cy="3000375"/>
+          </a:xfrm>
+          <a:prstGeom prst="rect">
+            <a:avLst/>
+          </a:prstGeom>
+          <a:solidFill>
+            <a:schemeClr val="bg1"/>
+          </a:solidFill>
+          <a:ln>
+            <a:noFill/>
+          </a:ln>
+        </p:spPr>
+        <p:style>
+          <a:lnRef idx="2">
+            <a:schemeClr val="accent1">
+              <a:shade val="50000"/>
+            </a:schemeClr>
+          </a:lnRef>
+          <a:fillRef idx="1">
+            <a:schemeClr val="accent1"/>
+          </a:fillRef>
+          <a:effectRef idx="0">
+            <a:schemeClr val="accent1"/>
+          </a:effectRef>
+          <a:fontRef idx="minor">
+            <a:schemeClr val="lt1"/>
+          </a:fontRef>
+        </p:style>
+        <p:txBody>
+          <a:bodyPr rtlCol="0" anchor="ctr"/>
+          <a:lstStyle/>
+          <a:p>
+            <a:pPr algn="ctr"/>
+            <a:endParaRPr lang="es-ES"/>
+          </a:p>
+        </p:txBody>
+      </p:sp>
+      <p:sp>
+        <p:nvSpPr>
           <p:cNvPr id="3" name="2 Título"/>
           <p:cNvSpPr>
             <a:spLocks noGrp="1"/>
@@ -9316,6 +9355,410 @@
           </a:p>
         </p:txBody>
       </p:sp>
+      <p:graphicFrame>
+        <p:nvGraphicFramePr>
+          <p:cNvPr id="10" name="9 Objeto"/>
+          <p:cNvGraphicFramePr>
+            <a:graphicFrameLocks noChangeAspect="1"/>
+          </p:cNvGraphicFramePr>
+          <p:nvPr/>
+        </p:nvGraphicFramePr>
+        <p:xfrm>
+          <a:off x="510382" y="1643060"/>
+          <a:ext cx="8123237" cy="2886075"/>
+        </p:xfrm>
+        <a:graphic>
+          <a:graphicData uri="http://schemas.openxmlformats.org/presentationml/2006/ole">
+            <p:oleObj spid="_x0000_s10245" name="Hoja de cálculo" r:id="rId4" imgW="10239471" imgH="3781507" progId="Excel.Sheet.12">
+              <p:embed/>
+            </p:oleObj>
+          </a:graphicData>
+        </a:graphic>
+      </p:graphicFrame>
+      <p:graphicFrame>
+        <p:nvGraphicFramePr>
+          <p:cNvPr id="7" name="Table 6"/>
+          <p:cNvGraphicFramePr>
+            <a:graphicFrameLocks noGrp="1"/>
+          </p:cNvGraphicFramePr>
+          <p:nvPr/>
+        </p:nvGraphicFramePr>
+        <p:xfrm>
+          <a:off x="3759133" y="4688668"/>
+          <a:ext cx="1785950" cy="981075"/>
+        </p:xfrm>
+        <a:graphic>
+          <a:graphicData uri="http://schemas.openxmlformats.org/drawingml/2006/table">
+            <a:tbl>
+              <a:tblPr/>
+              <a:tblGrid>
+                <a:gridCol w="214314"/>
+                <a:gridCol w="1571636"/>
+              </a:tblGrid>
+              <a:tr h="190500">
+                <a:tc>
+                  <a:txBody>
+                    <a:bodyPr/>
+                    <a:lstStyle/>
+                    <a:p>
+                      <a:pPr algn="l" fontAlgn="b"/>
+                      <a:r>
+                        <a:rPr lang="es-ES" sz="1100" b="0" i="0" u="none" strike="noStrike" dirty="0">
+                          <a:solidFill>
+                            <a:srgbClr val="000000"/>
+                          </a:solidFill>
+                          <a:latin typeface="Calibri"/>
+                        </a:rPr>
+                        <a:t> </a:t>
+                      </a:r>
+                    </a:p>
+                  </a:txBody>
+                  <a:tcPr marL="0" marR="0" marT="0" marB="0" anchor="b">
+                    <a:lnL>
+                      <a:noFill/>
+                    </a:lnL>
+                    <a:lnR>
+                      <a:noFill/>
+                    </a:lnR>
+                    <a:lnT>
+                      <a:noFill/>
+                    </a:lnT>
+                    <a:lnB>
+                      <a:noFill/>
+                    </a:lnB>
+                    <a:solidFill>
+                      <a:srgbClr val="92D050"/>
+                    </a:solidFill>
+                  </a:tcPr>
+                </a:tc>
+                <a:tc>
+                  <a:txBody>
+                    <a:bodyPr/>
+                    <a:lstStyle/>
+                    <a:p>
+                      <a:pPr algn="l" fontAlgn="b"/>
+                      <a:r>
+                        <a:rPr lang="es-ES" sz="1100" b="0" i="0" u="none" strike="noStrike">
+                          <a:solidFill>
+                            <a:srgbClr val="000000"/>
+                          </a:solidFill>
+                          <a:latin typeface="Calibri"/>
+                        </a:rPr>
+                        <a:t>Complet</a:t>
+                      </a:r>
+                    </a:p>
+                  </a:txBody>
+                  <a:tcPr marL="85725" marR="0" marT="0" marB="0" anchor="b">
+                    <a:lnL>
+                      <a:noFill/>
+                    </a:lnL>
+                    <a:lnR>
+                      <a:noFill/>
+                    </a:lnR>
+                    <a:lnT>
+                      <a:noFill/>
+                    </a:lnT>
+                    <a:lnB>
+                      <a:noFill/>
+                    </a:lnB>
+                  </a:tcPr>
+                </a:tc>
+              </a:tr>
+              <a:tr h="190500">
+                <a:tc>
+                  <a:txBody>
+                    <a:bodyPr/>
+                    <a:lstStyle/>
+                    <a:p>
+                      <a:pPr algn="l" fontAlgn="b"/>
+                      <a:r>
+                        <a:rPr lang="es-ES" sz="1100" b="0" i="0" u="none" strike="noStrike" dirty="0">
+                          <a:solidFill>
+                            <a:srgbClr val="000000"/>
+                          </a:solidFill>
+                          <a:latin typeface="Calibri"/>
+                        </a:rPr>
+                        <a:t> </a:t>
+                      </a:r>
+                    </a:p>
+                  </a:txBody>
+                  <a:tcPr marL="0" marR="0" marT="0" marB="0" anchor="b">
+                    <a:lnL>
+                      <a:noFill/>
+                    </a:lnL>
+                    <a:lnR>
+                      <a:noFill/>
+                    </a:lnR>
+                    <a:lnT>
+                      <a:noFill/>
+                    </a:lnT>
+                    <a:lnB>
+                      <a:noFill/>
+                    </a:lnB>
+                    <a:solidFill>
+                      <a:srgbClr val="8DB4E3"/>
+                    </a:solidFill>
+                  </a:tcPr>
+                </a:tc>
+                <a:tc>
+                  <a:txBody>
+                    <a:bodyPr/>
+                    <a:lstStyle/>
+                    <a:p>
+                      <a:pPr algn="l" fontAlgn="b"/>
+                      <a:r>
+                        <a:rPr lang="es-ES" sz="1100" b="0" i="0" u="none" strike="noStrike" dirty="0">
+                          <a:solidFill>
+                            <a:srgbClr val="000000"/>
+                          </a:solidFill>
+                          <a:latin typeface="Calibri"/>
+                        </a:rPr>
+                        <a:t>No </a:t>
+                      </a:r>
+                      <a:r>
+                        <a:rPr lang="es-ES" sz="1100" b="0" i="0" u="none" strike="noStrike" dirty="0" err="1">
+                          <a:solidFill>
+                            <a:srgbClr val="000000"/>
+                          </a:solidFill>
+                          <a:latin typeface="Calibri"/>
+                        </a:rPr>
+                        <a:t>Completat</a:t>
+                      </a:r>
+                      <a:endParaRPr lang="es-ES" sz="1100" b="0" i="0" u="none" strike="noStrike" dirty="0">
+                        <a:solidFill>
+                          <a:srgbClr val="000000"/>
+                        </a:solidFill>
+                        <a:latin typeface="Calibri"/>
+                      </a:endParaRPr>
+                    </a:p>
+                  </a:txBody>
+                  <a:tcPr marL="85725" marR="0" marT="0" marB="0" anchor="b">
+                    <a:lnL>
+                      <a:noFill/>
+                    </a:lnL>
+                    <a:lnR>
+                      <a:noFill/>
+                    </a:lnR>
+                    <a:lnT>
+                      <a:noFill/>
+                    </a:lnT>
+                    <a:lnB>
+                      <a:noFill/>
+                    </a:lnB>
+                  </a:tcPr>
+                </a:tc>
+              </a:tr>
+              <a:tr h="200025">
+                <a:tc>
+                  <a:txBody>
+                    <a:bodyPr/>
+                    <a:lstStyle/>
+                    <a:p>
+                      <a:pPr algn="l" fontAlgn="b"/>
+                      <a:r>
+                        <a:rPr lang="es-ES" sz="1100" b="0" i="0" u="none" strike="noStrike">
+                          <a:solidFill>
+                            <a:srgbClr val="000000"/>
+                          </a:solidFill>
+                          <a:latin typeface="Calibri"/>
+                        </a:rPr>
+                        <a:t> </a:t>
+                      </a:r>
+                    </a:p>
+                  </a:txBody>
+                  <a:tcPr marL="0" marR="0" marT="0" marB="0" anchor="b">
+                    <a:lnL>
+                      <a:noFill/>
+                    </a:lnL>
+                    <a:lnR>
+                      <a:noFill/>
+                    </a:lnR>
+                    <a:lnT>
+                      <a:noFill/>
+                    </a:lnT>
+                    <a:lnB>
+                      <a:noFill/>
+                    </a:lnB>
+                    <a:solidFill>
+                      <a:srgbClr val="C0504D"/>
+                    </a:solidFill>
+                  </a:tcPr>
+                </a:tc>
+                <a:tc>
+                  <a:txBody>
+                    <a:bodyPr/>
+                    <a:lstStyle/>
+                    <a:p>
+                      <a:pPr algn="l" fontAlgn="b"/>
+                      <a:r>
+                        <a:rPr lang="es-ES" sz="1100" b="0" i="0" u="none" strike="noStrike">
+                          <a:solidFill>
+                            <a:srgbClr val="000000"/>
+                          </a:solidFill>
+                          <a:latin typeface="Calibri"/>
+                        </a:rPr>
+                        <a:t>Retard</a:t>
+                      </a:r>
+                    </a:p>
+                  </a:txBody>
+                  <a:tcPr marL="85725" marR="0" marT="0" marB="0" anchor="b">
+                    <a:lnL>
+                      <a:noFill/>
+                    </a:lnL>
+                    <a:lnR>
+                      <a:noFill/>
+                    </a:lnR>
+                    <a:lnT>
+                      <a:noFill/>
+                    </a:lnT>
+                    <a:lnB>
+                      <a:noFill/>
+                    </a:lnB>
+                  </a:tcPr>
+                </a:tc>
+              </a:tr>
+              <a:tr h="200025">
+                <a:tc>
+                  <a:txBody>
+                    <a:bodyPr/>
+                    <a:lstStyle/>
+                    <a:p>
+                      <a:pPr algn="l" fontAlgn="b"/>
+                      <a:r>
+                        <a:rPr lang="es-ES" sz="1100" b="0" i="0" u="none" strike="noStrike">
+                          <a:solidFill>
+                            <a:srgbClr val="000000"/>
+                          </a:solidFill>
+                          <a:latin typeface="Calibri"/>
+                        </a:rPr>
+                        <a:t> </a:t>
+                      </a:r>
+                    </a:p>
+                  </a:txBody>
+                  <a:tcPr marL="0" marR="0" marT="0" marB="0" anchor="b">
+                    <a:lnL>
+                      <a:noFill/>
+                    </a:lnL>
+                    <a:lnR>
+                      <a:noFill/>
+                    </a:lnR>
+                    <a:lnT>
+                      <a:noFill/>
+                    </a:lnT>
+                    <a:lnB>
+                      <a:noFill/>
+                    </a:lnB>
+                    <a:solidFill>
+                      <a:srgbClr val="7F7F7F"/>
+                    </a:solidFill>
+                  </a:tcPr>
+                </a:tc>
+                <a:tc>
+                  <a:txBody>
+                    <a:bodyPr/>
+                    <a:lstStyle/>
+                    <a:p>
+                      <a:pPr algn="l" fontAlgn="b"/>
+                      <a:r>
+                        <a:rPr lang="es-ES" sz="1100" b="0" i="0" u="none" strike="noStrike">
+                          <a:solidFill>
+                            <a:srgbClr val="000000"/>
+                          </a:solidFill>
+                          <a:latin typeface="Calibri"/>
+                        </a:rPr>
+                        <a:t>Conté subtasques</a:t>
+                      </a:r>
+                    </a:p>
+                  </a:txBody>
+                  <a:tcPr marL="85725" marR="0" marT="0" marB="0" anchor="b">
+                    <a:lnL>
+                      <a:noFill/>
+                    </a:lnL>
+                    <a:lnR>
+                      <a:noFill/>
+                    </a:lnR>
+                    <a:lnT>
+                      <a:noFill/>
+                    </a:lnT>
+                    <a:lnB>
+                      <a:noFill/>
+                    </a:lnB>
+                  </a:tcPr>
+                </a:tc>
+              </a:tr>
+              <a:tr h="200025">
+                <a:tc>
+                  <a:txBody>
+                    <a:bodyPr/>
+                    <a:lstStyle/>
+                    <a:p>
+                      <a:pPr algn="l" fontAlgn="b"/>
+                      <a:r>
+                        <a:rPr lang="es-ES" sz="1100" b="0" i="0" u="none" strike="noStrike">
+                          <a:solidFill>
+                            <a:srgbClr val="000000"/>
+                          </a:solidFill>
+                          <a:latin typeface="Calibri"/>
+                        </a:rPr>
+                        <a:t> </a:t>
+                      </a:r>
+                    </a:p>
+                  </a:txBody>
+                  <a:tcPr marL="0" marR="0" marT="0" marB="0" anchor="b">
+                    <a:lnL>
+                      <a:noFill/>
+                    </a:lnL>
+                    <a:lnR>
+                      <a:noFill/>
+                    </a:lnR>
+                    <a:lnT>
+                      <a:noFill/>
+                    </a:lnT>
+                    <a:lnB>
+                      <a:noFill/>
+                    </a:lnB>
+                    <a:solidFill>
+                      <a:srgbClr val="D8D8D8"/>
+                    </a:solidFill>
+                  </a:tcPr>
+                </a:tc>
+                <a:tc>
+                  <a:txBody>
+                    <a:bodyPr/>
+                    <a:lstStyle/>
+                    <a:p>
+                      <a:pPr algn="l" fontAlgn="b"/>
+                      <a:r>
+                        <a:rPr lang="pt-BR" sz="1100" b="0" i="0" u="none" strike="noStrike" dirty="0">
+                          <a:solidFill>
+                            <a:srgbClr val="000000"/>
+                          </a:solidFill>
+                          <a:latin typeface="Calibri"/>
+                        </a:rPr>
+                        <a:t>No existeix al nou Gantt</a:t>
+                      </a:r>
+                    </a:p>
+                  </a:txBody>
+                  <a:tcPr marL="85725" marR="0" marT="0" marB="0" anchor="b">
+                    <a:lnL>
+                      <a:noFill/>
+                    </a:lnL>
+                    <a:lnR>
+                      <a:noFill/>
+                    </a:lnR>
+                    <a:lnT>
+                      <a:noFill/>
+                    </a:lnT>
+                    <a:lnB>
+                      <a:noFill/>
+                    </a:lnB>
+                  </a:tcPr>
+                </a:tc>
+              </a:tr>
+            </a:tbl>
+          </a:graphicData>
+        </a:graphic>
+      </p:graphicFrame>
     </p:spTree>
   </p:cSld>
   <p:clrMapOvr>
@@ -9404,6 +9847,72 @@
           </a:p>
         </p:txBody>
       </p:sp>
+      <p:sp>
+        <p:nvSpPr>
+          <p:cNvPr id="5" name="4 Rectángulo"/>
+          <p:cNvSpPr/>
+          <p:nvPr/>
+        </p:nvSpPr>
+        <p:spPr>
+          <a:xfrm>
+            <a:off x="466726" y="1571612"/>
+            <a:ext cx="8210549" cy="3676650"/>
+          </a:xfrm>
+          <a:prstGeom prst="rect">
+            <a:avLst/>
+          </a:prstGeom>
+          <a:solidFill>
+            <a:schemeClr val="bg1"/>
+          </a:solidFill>
+          <a:ln>
+            <a:noFill/>
+          </a:ln>
+        </p:spPr>
+        <p:style>
+          <a:lnRef idx="2">
+            <a:schemeClr val="accent1">
+              <a:shade val="50000"/>
+            </a:schemeClr>
+          </a:lnRef>
+          <a:fillRef idx="1">
+            <a:schemeClr val="accent1"/>
+          </a:fillRef>
+          <a:effectRef idx="0">
+            <a:schemeClr val="accent1"/>
+          </a:effectRef>
+          <a:fontRef idx="minor">
+            <a:schemeClr val="lt1"/>
+          </a:fontRef>
+        </p:style>
+        <p:txBody>
+          <a:bodyPr rtlCol="0" anchor="ctr"/>
+          <a:lstStyle/>
+          <a:p>
+            <a:pPr algn="ctr"/>
+            <a:endParaRPr lang="es-ES"/>
+          </a:p>
+        </p:txBody>
+      </p:sp>
+      <p:graphicFrame>
+        <p:nvGraphicFramePr>
+          <p:cNvPr id="6" name="5 Objeto"/>
+          <p:cNvGraphicFramePr>
+            <a:graphicFrameLocks noChangeAspect="1"/>
+          </p:cNvGraphicFramePr>
+          <p:nvPr/>
+        </p:nvGraphicFramePr>
+        <p:xfrm>
+          <a:off x="511175" y="1643063"/>
+          <a:ext cx="8153400" cy="3571875"/>
+        </p:xfrm>
+        <a:graphic>
+          <a:graphicData uri="http://schemas.openxmlformats.org/presentationml/2006/ole">
+            <p:oleObj spid="_x0000_s8193" name="Worksheet" r:id="rId4" imgW="10686993" imgH="4781431" progId="Excel.Sheet.12">
+              <p:embed/>
+            </p:oleObj>
+          </a:graphicData>
+        </a:graphic>
+      </p:graphicFrame>
     </p:spTree>
   </p:cSld>
   <p:clrMapOvr>
@@ -9492,6 +10001,72 @@
           </a:p>
         </p:txBody>
       </p:sp>
+      <p:sp>
+        <p:nvSpPr>
+          <p:cNvPr id="5" name="4 Rectángulo"/>
+          <p:cNvSpPr/>
+          <p:nvPr/>
+        </p:nvSpPr>
+        <p:spPr>
+          <a:xfrm>
+            <a:off x="466726" y="1571612"/>
+            <a:ext cx="8210549" cy="2657488"/>
+          </a:xfrm>
+          <a:prstGeom prst="rect">
+            <a:avLst/>
+          </a:prstGeom>
+          <a:solidFill>
+            <a:schemeClr val="bg1"/>
+          </a:solidFill>
+          <a:ln>
+            <a:noFill/>
+          </a:ln>
+        </p:spPr>
+        <p:style>
+          <a:lnRef idx="2">
+            <a:schemeClr val="accent1">
+              <a:shade val="50000"/>
+            </a:schemeClr>
+          </a:lnRef>
+          <a:fillRef idx="1">
+            <a:schemeClr val="accent1"/>
+          </a:fillRef>
+          <a:effectRef idx="0">
+            <a:schemeClr val="accent1"/>
+          </a:effectRef>
+          <a:fontRef idx="minor">
+            <a:schemeClr val="lt1"/>
+          </a:fontRef>
+        </p:style>
+        <p:txBody>
+          <a:bodyPr rtlCol="0" anchor="ctr"/>
+          <a:lstStyle/>
+          <a:p>
+            <a:pPr algn="ctr"/>
+            <a:endParaRPr lang="es-ES"/>
+          </a:p>
+        </p:txBody>
+      </p:sp>
+      <p:graphicFrame>
+        <p:nvGraphicFramePr>
+          <p:cNvPr id="6" name="5 Objeto"/>
+          <p:cNvGraphicFramePr>
+            <a:graphicFrameLocks noChangeAspect="1"/>
+          </p:cNvGraphicFramePr>
+          <p:nvPr/>
+        </p:nvGraphicFramePr>
+        <p:xfrm>
+          <a:off x="500063" y="1643063"/>
+          <a:ext cx="8153400" cy="2525712"/>
+        </p:xfrm>
+        <a:graphic>
+          <a:graphicData uri="http://schemas.openxmlformats.org/presentationml/2006/ole">
+            <p:oleObj spid="_x0000_s6145" name="Worksheet" r:id="rId4" imgW="10686993" imgH="3381248" progId="Excel.Sheet.12">
+              <p:embed/>
+            </p:oleObj>
+          </a:graphicData>
+        </a:graphic>
+      </p:graphicFrame>
     </p:spTree>
   </p:cSld>
   <p:clrMapOvr>
@@ -10040,6 +10615,13 @@
   <p:clrMapOvr>
     <a:masterClrMapping/>
   </p:clrMapOvr>
+  <p:timing>
+    <p:tnLst>
+      <p:par>
+        <p:cTn id="1" dur="indefinite" restart="never" nodeType="tmRoot"/>
+      </p:par>
+    </p:tnLst>
+  </p:timing>
 </p:sld>
 </file>
 
